--- a/2025_Б_ПІ_ПЗПІ-21-2_Бобрик_М_Я.pptx
+++ b/2025_Б_ПІ_ПЗПІ-21-2_Бобрик_М_Я.pptx
@@ -5,7 +5,7 @@
     <p:sldMasterId id="2147483648" r:id="rId1"/>
   </p:sldMasterIdLst>
   <p:notesMasterIdLst>
-    <p:notesMasterId r:id="rId16"/>
+    <p:notesMasterId r:id="rId17"/>
   </p:notesMasterIdLst>
   <p:sldIdLst>
     <p:sldId id="274" r:id="rId2"/>
@@ -22,6 +22,7 @@
     <p:sldId id="287" r:id="rId13"/>
     <p:sldId id="288" r:id="rId14"/>
     <p:sldId id="289" r:id="rId15"/>
+    <p:sldId id="290" r:id="rId16"/>
   </p:sldIdLst>
   <p:sldSz cx="9144000" cy="5143500" type="screen16x9"/>
   <p:notesSz cx="6858000" cy="9144000"/>
@@ -4248,7 +4249,7 @@
           </a:ln>
           <a:extLst>
             <a:ext uri="{C572A759-6A51-4108-AA02-DFA0A04FC94B}">
-              <ma14:wrappingTextBoxFlag xmlns:ma14="http://schemas.microsoft.com/office/mac/drawingml/2011/main" xmlns:a14="http://schemas.microsoft.com/office/drawing/2010/main" xmlns:m="http://schemas.openxmlformats.org/officeDocument/2006/math" xmlns="" val="1"/>
+              <ma14:wrappingTextBoxFlag xmlns="" xmlns:m="http://schemas.openxmlformats.org/officeDocument/2006/math" xmlns:a14="http://schemas.microsoft.com/office/drawing/2010/main" xmlns:ma14="http://schemas.microsoft.com/office/mac/drawingml/2011/main" val="1"/>
             </a:ext>
           </a:extLst>
         </p:spPr>
@@ -4334,7 +4335,7 @@
           </a:ln>
           <a:extLst>
             <a:ext uri="{C572A759-6A51-4108-AA02-DFA0A04FC94B}">
-              <ma14:wrappingTextBoxFlag xmlns:ma14="http://schemas.microsoft.com/office/mac/drawingml/2011/main" xmlns:a14="http://schemas.microsoft.com/office/drawing/2010/main" xmlns:m="http://schemas.openxmlformats.org/officeDocument/2006/math" xmlns="" val="1"/>
+              <ma14:wrappingTextBoxFlag xmlns="" xmlns:m="http://schemas.openxmlformats.org/officeDocument/2006/math" xmlns:a14="http://schemas.microsoft.com/office/drawing/2010/main" xmlns:ma14="http://schemas.microsoft.com/office/mac/drawingml/2011/main" val="1"/>
             </a:ext>
           </a:extLst>
         </p:spPr>
@@ -6204,34 +6205,6 @@
           </a:p>
         </p:txBody>
       </p:sp>
-      <p:pic>
-        <p:nvPicPr>
-          <p:cNvPr id="129" name="Google Shape;129;p22"/>
-          <p:cNvPicPr preferRelativeResize="0"/>
-          <p:nvPr/>
-        </p:nvPicPr>
-        <p:blipFill>
-          <a:blip r:embed="rId3">
-            <a:alphaModFix/>
-          </a:blip>
-          <a:stretch>
-            <a:fillRect/>
-          </a:stretch>
-        </p:blipFill>
-        <p:spPr>
-          <a:xfrm>
-            <a:off x="268925" y="4359500"/>
-            <a:ext cx="862250" cy="581750"/>
-          </a:xfrm>
-          <a:prstGeom prst="rect">
-            <a:avLst/>
-          </a:prstGeom>
-          <a:noFill/>
-          <a:ln>
-            <a:noFill/>
-          </a:ln>
-        </p:spPr>
-      </p:pic>
       <p:sp>
         <p:nvSpPr>
           <p:cNvPr id="2" name="TextBox 1">
@@ -6291,13 +6264,13 @@
           <p:nvPr/>
         </p:nvPicPr>
         <p:blipFill>
-          <a:blip r:embed="rId4"/>
+          <a:blip r:embed="rId3"/>
           <a:srcRect l="6283" r="7665"/>
           <a:stretch/>
         </p:blipFill>
         <p:spPr>
           <a:xfrm>
-            <a:off x="268924" y="1568664"/>
+            <a:off x="268924" y="1338880"/>
             <a:ext cx="2807815" cy="1795681"/>
           </a:xfrm>
           <a:prstGeom prst="rect">
@@ -6319,7 +6292,7 @@
         </p:nvSpPr>
         <p:spPr>
           <a:xfrm>
-            <a:off x="723460" y="3486851"/>
+            <a:off x="723460" y="3257067"/>
             <a:ext cx="1928547" cy="307777"/>
           </a:xfrm>
           <a:prstGeom prst="rect">
@@ -6367,13 +6340,13 @@
           <p:nvPr/>
         </p:nvPicPr>
         <p:blipFill>
-          <a:blip r:embed="rId5"/>
+          <a:blip r:embed="rId4"/>
           <a:srcRect l="4809" r="4005"/>
           <a:stretch/>
         </p:blipFill>
         <p:spPr>
           <a:xfrm>
-            <a:off x="3157062" y="1557974"/>
+            <a:off x="3157062" y="1328190"/>
             <a:ext cx="2829876" cy="2036246"/>
           </a:xfrm>
           <a:prstGeom prst="rect">
@@ -6395,7 +6368,7 @@
         </p:nvSpPr>
         <p:spPr>
           <a:xfrm>
-            <a:off x="3278463" y="3741489"/>
+            <a:off x="3278463" y="3511705"/>
             <a:ext cx="2807815" cy="307777"/>
           </a:xfrm>
           <a:prstGeom prst="rect">
@@ -6443,13 +6416,13 @@
           <p:nvPr/>
         </p:nvPicPr>
         <p:blipFill>
-          <a:blip r:embed="rId6"/>
+          <a:blip r:embed="rId5"/>
           <a:srcRect l="2320" r="4657"/>
           <a:stretch/>
         </p:blipFill>
         <p:spPr>
           <a:xfrm>
-            <a:off x="6067261" y="1557974"/>
+            <a:off x="6067261" y="1328190"/>
             <a:ext cx="2807815" cy="1928461"/>
           </a:xfrm>
           <a:prstGeom prst="rect">
@@ -6471,7 +6444,7 @@
         </p:nvSpPr>
         <p:spPr>
           <a:xfrm>
-            <a:off x="6635054" y="3486851"/>
+            <a:off x="6635054" y="3257067"/>
             <a:ext cx="1814910" cy="307777"/>
           </a:xfrm>
           <a:prstGeom prst="rect">
@@ -6504,6 +6477,164 @@
           </a:p>
         </p:txBody>
       </p:sp>
+      <p:sp>
+        <p:nvSpPr>
+          <p:cNvPr id="8" name="TextBox 7">
+            <a:extLst>
+              <a:ext uri="{FF2B5EF4-FFF2-40B4-BE49-F238E27FC236}">
+                <a16:creationId xmlns:a16="http://schemas.microsoft.com/office/drawing/2014/main" id="{DFE0AF96-5163-3CC8-83EB-D33837AB83B0}"/>
+              </a:ext>
+            </a:extLst>
+          </p:cNvPr>
+          <p:cNvSpPr txBox="1"/>
+          <p:nvPr/>
+        </p:nvSpPr>
+        <p:spPr>
+          <a:xfrm>
+            <a:off x="268924" y="4175462"/>
+            <a:ext cx="6476986" cy="738664"/>
+          </a:xfrm>
+          <a:prstGeom prst="rect">
+            <a:avLst/>
+          </a:prstGeom>
+          <a:noFill/>
+        </p:spPr>
+        <p:txBody>
+          <a:bodyPr wrap="square">
+            <a:spAutoFit/>
+          </a:bodyPr>
+          <a:lstStyle/>
+          <a:p>
+            <a:pPr algn="just"/>
+            <a:r>
+              <a:rPr lang="uk-UA" dirty="0">
+                <a:solidFill>
+                  <a:schemeClr val="tx2"/>
+                </a:solidFill>
+                <a:cs typeface="Times New Roman" panose="02020603050405020304" pitchFamily="18" charset="0"/>
+              </a:rPr>
+              <a:t>Дані для доступу для звичайного користувача та адміністратора в систему:</a:t>
+            </a:r>
+          </a:p>
+          <a:p>
+            <a:pPr marL="285750" indent="-285750" algn="just">
+              <a:buFontTx/>
+              <a:buChar char="-"/>
+            </a:pPr>
+            <a:r>
+              <a:rPr lang="uk-UA" dirty="0">
+                <a:solidFill>
+                  <a:schemeClr val="tx2"/>
+                </a:solidFill>
+                <a:cs typeface="Times New Roman" panose="02020603050405020304" pitchFamily="18" charset="0"/>
+              </a:rPr>
+              <a:t>користувач: </a:t>
+            </a:r>
+            <a:r>
+              <a:rPr lang="en-GB" dirty="0">
+                <a:solidFill>
+                  <a:schemeClr val="tx2"/>
+                </a:solidFill>
+                <a:cs typeface="Times New Roman" panose="02020603050405020304" pitchFamily="18" charset="0"/>
+              </a:rPr>
+              <a:t>test.user@example.com, </a:t>
+            </a:r>
+            <a:r>
+              <a:rPr lang="en-GB" dirty="0" err="1">
+                <a:solidFill>
+                  <a:schemeClr val="tx2"/>
+                </a:solidFill>
+                <a:cs typeface="Times New Roman" panose="02020603050405020304" pitchFamily="18" charset="0"/>
+              </a:rPr>
+              <a:t>TestUserPassword</a:t>
+            </a:r>
+            <a:r>
+              <a:rPr lang="en-GB" dirty="0">
+                <a:solidFill>
+                  <a:schemeClr val="tx2"/>
+                </a:solidFill>
+                <a:cs typeface="Times New Roman" panose="02020603050405020304" pitchFamily="18" charset="0"/>
+              </a:rPr>
+              <a:t> </a:t>
+            </a:r>
+            <a:endParaRPr lang="uk-UA" dirty="0">
+              <a:solidFill>
+                <a:schemeClr val="tx2"/>
+              </a:solidFill>
+              <a:cs typeface="Times New Roman" panose="02020603050405020304" pitchFamily="18" charset="0"/>
+            </a:endParaRPr>
+          </a:p>
+          <a:p>
+            <a:pPr marL="285750" indent="-285750" algn="just">
+              <a:buFontTx/>
+              <a:buChar char="-"/>
+            </a:pPr>
+            <a:r>
+              <a:rPr lang="uk-UA" dirty="0">
+                <a:solidFill>
+                  <a:schemeClr val="tx2"/>
+                </a:solidFill>
+                <a:cs typeface="Times New Roman" panose="02020603050405020304" pitchFamily="18" charset="0"/>
+              </a:rPr>
+              <a:t>адміністратор: </a:t>
+            </a:r>
+            <a:r>
+              <a:rPr lang="en-GB" dirty="0">
+                <a:solidFill>
+                  <a:schemeClr val="tx2"/>
+                </a:solidFill>
+                <a:cs typeface="Times New Roman" panose="02020603050405020304" pitchFamily="18" charset="0"/>
+              </a:rPr>
+              <a:t>test.admin@example.com, </a:t>
+            </a:r>
+            <a:r>
+              <a:rPr lang="en-GB" dirty="0" err="1">
+                <a:solidFill>
+                  <a:schemeClr val="tx2"/>
+                </a:solidFill>
+                <a:cs typeface="Times New Roman" panose="02020603050405020304" pitchFamily="18" charset="0"/>
+              </a:rPr>
+              <a:t>TestAdminPassword</a:t>
+            </a:r>
+            <a:endParaRPr lang="en-GB" dirty="0">
+              <a:solidFill>
+                <a:schemeClr val="tx2"/>
+              </a:solidFill>
+              <a:cs typeface="Times New Roman" panose="02020603050405020304" pitchFamily="18" charset="0"/>
+            </a:endParaRPr>
+          </a:p>
+        </p:txBody>
+      </p:sp>
+      <p:pic>
+        <p:nvPicPr>
+          <p:cNvPr id="16" name="Picture 15">
+            <a:extLst>
+              <a:ext uri="{FF2B5EF4-FFF2-40B4-BE49-F238E27FC236}">
+                <a16:creationId xmlns:a16="http://schemas.microsoft.com/office/drawing/2014/main" id="{3A652E5A-7241-01BD-FD89-2978E64C4E58}"/>
+              </a:ext>
+            </a:extLst>
+          </p:cNvPr>
+          <p:cNvPicPr>
+            <a:picLocks noChangeAspect="1"/>
+          </p:cNvPicPr>
+          <p:nvPr/>
+        </p:nvPicPr>
+        <p:blipFill>
+          <a:blip r:embed="rId6"/>
+          <a:stretch>
+            <a:fillRect/>
+          </a:stretch>
+        </p:blipFill>
+        <p:spPr>
+          <a:xfrm>
+            <a:off x="7670645" y="3803420"/>
+            <a:ext cx="1107595" cy="1110706"/>
+          </a:xfrm>
+          <a:prstGeom prst="rect">
+            <a:avLst/>
+          </a:prstGeom>
+        </p:spPr>
+      </p:pic>
     </p:spTree>
   </p:cSld>
   <p:clrMapOvr>
@@ -6788,7 +6919,7 @@
             </a:pPr>
             <a:r>
               <a:rPr lang="uk" sz="2400" dirty="0"/>
-              <a:t>Підсумки </a:t>
+              <a:t>Висновки </a:t>
             </a:r>
             <a:endParaRPr sz="2400" dirty="0"/>
           </a:p>
@@ -7093,6 +7224,74 @@
         </p:txBody>
       </p:sp>
     </p:spTree>
+  </p:cSld>
+  <p:clrMapOvr>
+    <a:masterClrMapping/>
+  </p:clrMapOvr>
+  <p:transition spd="med"/>
+</p:sld>
+</file>
+
+<file path=ppt/slides/slide15.xml><?xml version="1.0" encoding="utf-8"?>
+<p:sld xmlns:a="http://schemas.openxmlformats.org/drawingml/2006/main" xmlns:r="http://schemas.openxmlformats.org/officeDocument/2006/relationships" xmlns:p="http://schemas.openxmlformats.org/presentationml/2006/main">
+  <p:cSld>
+    <p:spTree>
+      <p:nvGrpSpPr>
+        <p:cNvPr id="1" name=""/>
+        <p:cNvGrpSpPr/>
+        <p:nvPr/>
+      </p:nvGrpSpPr>
+      <p:grpSpPr>
+        <a:xfrm>
+          <a:off x="0" y="0"/>
+          <a:ext cx="0" cy="0"/>
+          <a:chOff x="0" y="0"/>
+          <a:chExt cx="0" cy="0"/>
+        </a:xfrm>
+      </p:grpSpPr>
+      <p:sp>
+        <p:nvSpPr>
+          <p:cNvPr id="2" name="Title 1">
+            <a:extLst>
+              <a:ext uri="{FF2B5EF4-FFF2-40B4-BE49-F238E27FC236}">
+                <a16:creationId xmlns:a16="http://schemas.microsoft.com/office/drawing/2014/main" id="{3F3BC46F-DF54-5C01-8451-5D7977F07146}"/>
+              </a:ext>
+            </a:extLst>
+          </p:cNvPr>
+          <p:cNvSpPr>
+            <a:spLocks noGrp="1"/>
+          </p:cNvSpPr>
+          <p:nvPr>
+            <p:ph type="title"/>
+          </p:nvPr>
+        </p:nvSpPr>
+        <p:spPr>
+          <a:xfrm>
+            <a:off x="727650" y="2098769"/>
+            <a:ext cx="7688700" cy="945962"/>
+          </a:xfrm>
+        </p:spPr>
+        <p:txBody>
+          <a:bodyPr>
+            <a:noAutofit/>
+          </a:bodyPr>
+          <a:lstStyle/>
+          <a:p>
+            <a:pPr algn="ctr"/>
+            <a:r>
+              <a:rPr lang="uk-UA" sz="4800" dirty="0"/>
+              <a:t>Дякую за увагу!</a:t>
+            </a:r>
+            <a:endParaRPr lang="en-GB" sz="4800" dirty="0"/>
+          </a:p>
+        </p:txBody>
+      </p:sp>
+    </p:spTree>
+    <p:extLst>
+      <p:ext uri="{BB962C8B-B14F-4D97-AF65-F5344CB8AC3E}">
+        <p14:creationId xmlns:p14="http://schemas.microsoft.com/office/powerpoint/2010/main" val="184791825"/>
+      </p:ext>
+    </p:extLst>
   </p:cSld>
   <p:clrMapOvr>
     <a:masterClrMapping/>
@@ -8229,7 +8428,7 @@
           </a:bodyPr>
           <a:lstStyle/>
           <a:p>
-            <a:pPr marL="0" indent="450000" eaLnBrk="0" fontAlgn="base" hangingPunct="0">
+            <a:pPr marL="0" indent="450000" algn="just" eaLnBrk="0" fontAlgn="base" hangingPunct="0">
               <a:lnSpc>
                 <a:spcPct val="100000"/>
               </a:lnSpc>
@@ -8376,7 +8575,7 @@
           </a:bodyPr>
           <a:lstStyle/>
           <a:p>
-            <a:pPr marL="0" indent="450000">
+            <a:pPr marL="0" indent="450000" algn="just">
               <a:lnSpc>
                 <a:spcPct val="100000"/>
               </a:lnSpc>
@@ -8409,7 +8608,7 @@
             </a:endParaRPr>
           </a:p>
           <a:p>
-            <a:pPr marL="0" indent="450000">
+            <a:pPr marL="0" indent="450000" algn="just">
               <a:lnSpc>
                 <a:spcPct val="100000"/>
               </a:lnSpc>
@@ -8421,7 +8620,7 @@
             </a:endParaRPr>
           </a:p>
           <a:p>
-            <a:pPr marL="0" indent="450000">
+            <a:pPr marL="0" indent="450000" algn="just">
               <a:lnSpc>
                 <a:spcPct val="100000"/>
               </a:lnSpc>
@@ -8440,7 +8639,7 @@
             </a:endParaRPr>
           </a:p>
           <a:p>
-            <a:pPr marL="555750" indent="-285750">
+            <a:pPr marL="555750" indent="-285750" algn="just">
               <a:lnSpc>
                 <a:spcPct val="100000"/>
               </a:lnSpc>
@@ -8460,7 +8659,7 @@
             </a:endParaRPr>
           </a:p>
           <a:p>
-            <a:pPr marL="555750" indent="-285750">
+            <a:pPr marL="555750" indent="-285750" algn="just">
               <a:lnSpc>
                 <a:spcPct val="100000"/>
               </a:lnSpc>
@@ -8480,7 +8679,7 @@
             </a:endParaRPr>
           </a:p>
           <a:p>
-            <a:pPr marL="555750" indent="-285750">
+            <a:pPr marL="555750" indent="-285750" algn="just">
               <a:lnSpc>
                 <a:spcPct val="100000"/>
               </a:lnSpc>
@@ -8500,7 +8699,7 @@
             </a:endParaRPr>
           </a:p>
           <a:p>
-            <a:pPr marL="555750" indent="-285750">
+            <a:pPr marL="555750" indent="-285750" algn="just">
               <a:lnSpc>
                 <a:spcPct val="100000"/>
               </a:lnSpc>
@@ -8520,7 +8719,7 @@
             </a:endParaRPr>
           </a:p>
           <a:p>
-            <a:pPr marL="555750" indent="-285750">
+            <a:pPr marL="555750" indent="-285750" algn="just">
               <a:lnSpc>
                 <a:spcPct val="100000"/>
               </a:lnSpc>
@@ -8536,7 +8735,7 @@
             </a:r>
           </a:p>
           <a:p>
-            <a:pPr marL="0" lvl="0" indent="0" algn="l" rtl="0">
+            <a:pPr marL="0" lvl="0" indent="0" algn="just" rtl="0">
               <a:lnSpc>
                 <a:spcPct val="100000"/>
               </a:lnSpc>
@@ -8778,7 +8977,7 @@
           </a:prstGeom>
           <a:extLst>
             <a:ext uri="{C572A759-6A51-4108-AA02-DFA0A04FC94B}">
-              <ma14:wrappingTextBoxFlag xmlns="" xmlns:m="http://schemas.openxmlformats.org/officeDocument/2006/math" xmlns:a14="http://schemas.microsoft.com/office/drawing/2010/main" xmlns:ma14="http://schemas.microsoft.com/office/mac/drawingml/2011/main" val="1"/>
+              <ma14:wrappingTextBoxFlag xmlns:ma14="http://schemas.microsoft.com/office/mac/drawingml/2011/main" xmlns:a14="http://schemas.microsoft.com/office/drawing/2010/main" xmlns:m="http://schemas.openxmlformats.org/officeDocument/2006/math" xmlns="" val="1"/>
             </a:ext>
           </a:extLst>
         </p:spPr>
@@ -9156,7 +9355,7 @@
           </a:blipFill>
           <a:ln w="3175" cap="flat">
             <a:solidFill>
-              <a:schemeClr val="tx1"/>
+              <a:srgbClr val="000000"/>
             </a:solidFill>
             <a:prstDash val="solid"/>
             <a:round/>

--- a/2025_Б_ПІ_ПЗПІ-21-2_Бобрик_М_Я.pptx
+++ b/2025_Б_ПІ_ПЗПІ-21-2_Бобрик_М_Я.pptx
@@ -4249,7 +4249,7 @@
           </a:ln>
           <a:extLst>
             <a:ext uri="{C572A759-6A51-4108-AA02-DFA0A04FC94B}">
-              <ma14:wrappingTextBoxFlag xmlns="" xmlns:m="http://schemas.openxmlformats.org/officeDocument/2006/math" xmlns:a14="http://schemas.microsoft.com/office/drawing/2010/main" xmlns:ma14="http://schemas.microsoft.com/office/mac/drawingml/2011/main" val="1"/>
+              <ma14:wrappingTextBoxFlag xmlns:ma14="http://schemas.microsoft.com/office/mac/drawingml/2011/main" xmlns:a14="http://schemas.microsoft.com/office/drawing/2010/main" xmlns:m="http://schemas.openxmlformats.org/officeDocument/2006/math" xmlns="" val="1"/>
             </a:ext>
           </a:extLst>
         </p:spPr>
@@ -4335,7 +4335,7 @@
           </a:ln>
           <a:extLst>
             <a:ext uri="{C572A759-6A51-4108-AA02-DFA0A04FC94B}">
-              <ma14:wrappingTextBoxFlag xmlns="" xmlns:m="http://schemas.openxmlformats.org/officeDocument/2006/math" xmlns:a14="http://schemas.microsoft.com/office/drawing/2010/main" xmlns:ma14="http://schemas.microsoft.com/office/mac/drawingml/2011/main" val="1"/>
+              <ma14:wrappingTextBoxFlag xmlns:ma14="http://schemas.microsoft.com/office/mac/drawingml/2011/main" xmlns:a14="http://schemas.microsoft.com/office/drawing/2010/main" xmlns:m="http://schemas.openxmlformats.org/officeDocument/2006/math" xmlns="" val="1"/>
             </a:ext>
           </a:extLst>
         </p:spPr>
@@ -5153,7 +5153,7 @@
         <p:spPr>
           <a:xfrm>
             <a:off x="720831" y="1357743"/>
-            <a:ext cx="7404860" cy="1136074"/>
+            <a:ext cx="7404860" cy="830115"/>
           </a:xfrm>
           <a:prstGeom prst="rect">
             <a:avLst/>
@@ -5176,7 +5176,7 @@
                 <a:effectLst/>
                 <a:latin typeface="Raleway" pitchFamily="2" charset="0"/>
               </a:rPr>
-              <a:t>Веб-система для допомоги пошуку та підбору власників тварин для притулку. Front-end розробка</a:t>
+              <a:t>Веб-система для допомоги пошуку та підбору власників тварин для притулку. Front-end</a:t>
             </a:r>
             <a:endParaRPr lang="uk-UA" sz="2400" dirty="0">
               <a:latin typeface="Raleway" pitchFamily="2" charset="0"/>
@@ -8977,7 +8977,7 @@
           </a:prstGeom>
           <a:extLst>
             <a:ext uri="{C572A759-6A51-4108-AA02-DFA0A04FC94B}">
-              <ma14:wrappingTextBoxFlag xmlns:ma14="http://schemas.microsoft.com/office/mac/drawingml/2011/main" xmlns:a14="http://schemas.microsoft.com/office/drawing/2010/main" xmlns:m="http://schemas.openxmlformats.org/officeDocument/2006/math" xmlns="" val="1"/>
+              <ma14:wrappingTextBoxFlag xmlns="" xmlns:m="http://schemas.openxmlformats.org/officeDocument/2006/math" xmlns:a14="http://schemas.microsoft.com/office/drawing/2010/main" xmlns:ma14="http://schemas.microsoft.com/office/mac/drawingml/2011/main" val="1"/>
             </a:ext>
           </a:extLst>
         </p:spPr>
